--- a/docs/BlockDiagram.pptx
+++ b/docs/BlockDiagram.pptx
@@ -1,6 +1,6 @@
 
 <file path=ppt/presentation.xml><?xml version="1.0" encoding="utf-8"?>
-<p:presentation xmlns:a="http://schemas.openxmlformats.org/drawingml/2006/main" xmlns:r="http://schemas.openxmlformats.org/officeDocument/2006/relationships" xmlns:p="http://schemas.openxmlformats.org/presentationml/2006/main" saveSubsetFonts="1">
+<p:presentation xmlns:a="http://schemas.openxmlformats.org/drawingml/2006/main" xmlns:r="http://schemas.openxmlformats.org/officeDocument/2006/relationships" xmlns:p="http://schemas.openxmlformats.org/presentationml/2006/main" removePersonalInfoOnSave="1" saveSubsetFonts="1">
   <p:sldMasterIdLst>
     <p:sldMasterId id="2147483648" r:id="rId1"/>
   </p:sldMasterIdLst>
@@ -122,589 +122,9 @@
 <file path=ppt/revisionInfo.xml><?xml version="1.0" encoding="utf-8"?>
 <p1510:revInfo xmlns:a="http://schemas.openxmlformats.org/drawingml/2006/main" xmlns:r="http://schemas.openxmlformats.org/officeDocument/2006/relationships" xmlns:p1510="http://schemas.microsoft.com/office/powerpoint/2015/10/main">
   <p1510:revLst>
-    <p1510:client id="{3A65A724-4945-4A04-BB88-824B46D7B1D9}" v="54" dt="2020-02-15T14:50:50.769"/>
+    <p1510:client id="{3A65A724-4945-4A04-BB88-824B46D7B1D9}" v="56" dt="2020-02-29T22:35:24.807"/>
   </p1510:revLst>
 </p1510:revInfo>
-</file>
-
-<file path=ppt/changesInfos/changesInfo1.xml><?xml version="1.0" encoding="utf-8"?>
-<pc:chgInfo xmlns:a="http://schemas.openxmlformats.org/drawingml/2006/main" xmlns:r="http://schemas.openxmlformats.org/officeDocument/2006/relationships" xmlns:ac="http://schemas.microsoft.com/office/drawing/2013/main/command" xmlns:pc="http://schemas.microsoft.com/office/powerpoint/2013/main/command">
-  <pc:docChgLst>
-    <pc:chgData name="John Lonergan" userId="db8094ce4aaa691d" providerId="LiveId" clId="{3A65A724-4945-4A04-BB88-824B46D7B1D9}"/>
-    <pc:docChg chg="undo custSel mod addSld delSld modSld sldOrd">
-      <pc:chgData name="John Lonergan" userId="db8094ce4aaa691d" providerId="LiveId" clId="{3A65A724-4945-4A04-BB88-824B46D7B1D9}" dt="2020-02-15T14:52:03.300" v="1781" actId="20577"/>
-      <pc:docMkLst>
-        <pc:docMk/>
-      </pc:docMkLst>
-      <pc:sldChg chg="addSp modSp">
-        <pc:chgData name="John Lonergan" userId="db8094ce4aaa691d" providerId="LiveId" clId="{3A65A724-4945-4A04-BB88-824B46D7B1D9}" dt="2020-02-09T02:20:44.195" v="252" actId="1076"/>
-        <pc:sldMkLst>
-          <pc:docMk/>
-          <pc:sldMk cId="2068975486" sldId="256"/>
-        </pc:sldMkLst>
-        <pc:spChg chg="mod">
-          <ac:chgData name="John Lonergan" userId="db8094ce4aaa691d" providerId="LiveId" clId="{3A65A724-4945-4A04-BB88-824B46D7B1D9}" dt="2020-02-09T01:40:20.056" v="88" actId="1038"/>
-          <ac:spMkLst>
-            <pc:docMk/>
-            <pc:sldMk cId="2068975486" sldId="256"/>
-            <ac:spMk id="9" creationId="{ACC5228C-D18A-4B36-9D5E-26F936F88E1A}"/>
-          </ac:spMkLst>
-        </pc:spChg>
-        <pc:spChg chg="mod">
-          <ac:chgData name="John Lonergan" userId="db8094ce4aaa691d" providerId="LiveId" clId="{3A65A724-4945-4A04-BB88-824B46D7B1D9}" dt="2020-02-09T01:38:54.732" v="6" actId="1076"/>
-          <ac:spMkLst>
-            <pc:docMk/>
-            <pc:sldMk cId="2068975486" sldId="256"/>
-            <ac:spMk id="16" creationId="{E6E284C1-8EBB-4967-A9A3-53FD062EB990}"/>
-          </ac:spMkLst>
-        </pc:spChg>
-        <pc:spChg chg="mod">
-          <ac:chgData name="John Lonergan" userId="db8094ce4aaa691d" providerId="LiveId" clId="{3A65A724-4945-4A04-BB88-824B46D7B1D9}" dt="2020-02-09T01:41:12.342" v="226" actId="1035"/>
-          <ac:spMkLst>
-            <pc:docMk/>
-            <pc:sldMk cId="2068975486" sldId="256"/>
-            <ac:spMk id="18" creationId="{AC60F03F-37DA-4F98-BAB2-777E6D88CC64}"/>
-          </ac:spMkLst>
-        </pc:spChg>
-        <pc:spChg chg="mod">
-          <ac:chgData name="John Lonergan" userId="db8094ce4aaa691d" providerId="LiveId" clId="{3A65A724-4945-4A04-BB88-824B46D7B1D9}" dt="2020-02-09T01:41:12.342" v="226" actId="1035"/>
-          <ac:spMkLst>
-            <pc:docMk/>
-            <pc:sldMk cId="2068975486" sldId="256"/>
-            <ac:spMk id="28" creationId="{9D894D2E-5076-4F6E-A2EC-DA4536038128}"/>
-          </ac:spMkLst>
-        </pc:spChg>
-        <pc:spChg chg="mod">
-          <ac:chgData name="John Lonergan" userId="db8094ce4aaa691d" providerId="LiveId" clId="{3A65A724-4945-4A04-BB88-824B46D7B1D9}" dt="2020-02-09T02:07:36.402" v="227" actId="1076"/>
-          <ac:spMkLst>
-            <pc:docMk/>
-            <pc:sldMk cId="2068975486" sldId="256"/>
-            <ac:spMk id="29" creationId="{BF504954-6671-4F8D-9B8A-DF4D118B790C}"/>
-          </ac:spMkLst>
-        </pc:spChg>
-        <pc:spChg chg="mod">
-          <ac:chgData name="John Lonergan" userId="db8094ce4aaa691d" providerId="LiveId" clId="{3A65A724-4945-4A04-BB88-824B46D7B1D9}" dt="2020-02-09T01:40:51.333" v="198" actId="1037"/>
-          <ac:spMkLst>
-            <pc:docMk/>
-            <pc:sldMk cId="2068975486" sldId="256"/>
-            <ac:spMk id="33" creationId="{F10778C8-96FB-4A50-9AB0-03DACF4B5191}"/>
-          </ac:spMkLst>
-        </pc:spChg>
-        <pc:spChg chg="mod">
-          <ac:chgData name="John Lonergan" userId="db8094ce4aaa691d" providerId="LiveId" clId="{3A65A724-4945-4A04-BB88-824B46D7B1D9}" dt="2020-02-09T01:38:54.732" v="6" actId="1076"/>
-          <ac:spMkLst>
-            <pc:docMk/>
-            <pc:sldMk cId="2068975486" sldId="256"/>
-            <ac:spMk id="34" creationId="{AC3EB30D-F91F-496D-8569-5ED962864358}"/>
-          </ac:spMkLst>
-        </pc:spChg>
-        <pc:spChg chg="mod">
-          <ac:chgData name="John Lonergan" userId="db8094ce4aaa691d" providerId="LiveId" clId="{3A65A724-4945-4A04-BB88-824B46D7B1D9}" dt="2020-02-09T01:41:12.342" v="226" actId="1035"/>
-          <ac:spMkLst>
-            <pc:docMk/>
-            <pc:sldMk cId="2068975486" sldId="256"/>
-            <ac:spMk id="39" creationId="{2D1993F5-24B8-41F5-BB1C-7CE669048B39}"/>
-          </ac:spMkLst>
-        </pc:spChg>
-        <pc:spChg chg="add mod">
-          <ac:chgData name="John Lonergan" userId="db8094ce4aaa691d" providerId="LiveId" clId="{3A65A724-4945-4A04-BB88-824B46D7B1D9}" dt="2020-02-09T02:20:44.195" v="252" actId="1076"/>
-          <ac:spMkLst>
-            <pc:docMk/>
-            <pc:sldMk cId="2068975486" sldId="256"/>
-            <ac:spMk id="41" creationId="{862DCE10-6A79-4A67-82E6-E184E8E6FD98}"/>
-          </ac:spMkLst>
-        </pc:spChg>
-        <pc:grpChg chg="mod">
-          <ac:chgData name="John Lonergan" userId="db8094ce4aaa691d" providerId="LiveId" clId="{3A65A724-4945-4A04-BB88-824B46D7B1D9}" dt="2020-02-09T02:07:40.773" v="229" actId="1076"/>
-          <ac:grpSpMkLst>
-            <pc:docMk/>
-            <pc:sldMk cId="2068975486" sldId="256"/>
-            <ac:grpSpMk id="12" creationId="{173B5469-05D8-45ED-A0F1-BEE38722DB7E}"/>
-          </ac:grpSpMkLst>
-        </pc:grpChg>
-        <pc:grpChg chg="mod">
-          <ac:chgData name="John Lonergan" userId="db8094ce4aaa691d" providerId="LiveId" clId="{3A65A724-4945-4A04-BB88-824B46D7B1D9}" dt="2020-02-09T01:38:54.732" v="6" actId="1076"/>
-          <ac:grpSpMkLst>
-            <pc:docMk/>
-            <pc:sldMk cId="2068975486" sldId="256"/>
-            <ac:grpSpMk id="20" creationId="{3A7FC389-42F7-40EA-9AEA-73B8E22E13E0}"/>
-          </ac:grpSpMkLst>
-        </pc:grpChg>
-        <pc:grpChg chg="mod">
-          <ac:chgData name="John Lonergan" userId="db8094ce4aaa691d" providerId="LiveId" clId="{3A65A724-4945-4A04-BB88-824B46D7B1D9}" dt="2020-02-09T01:41:12.342" v="226" actId="1035"/>
-          <ac:grpSpMkLst>
-            <pc:docMk/>
-            <pc:sldMk cId="2068975486" sldId="256"/>
-            <ac:grpSpMk id="23" creationId="{490AB3E3-B396-456F-83F0-99121103FE3D}"/>
-          </ac:grpSpMkLst>
-        </pc:grpChg>
-        <pc:picChg chg="mod">
-          <ac:chgData name="John Lonergan" userId="db8094ce4aaa691d" providerId="LiveId" clId="{3A65A724-4945-4A04-BB88-824B46D7B1D9}" dt="2020-02-09T01:41:12.342" v="226" actId="1035"/>
-          <ac:picMkLst>
-            <pc:docMk/>
-            <pc:sldMk cId="2068975486" sldId="256"/>
-            <ac:picMk id="5" creationId="{F16412C7-8B0F-4050-9CE6-C6EAD2F48F7F}"/>
-          </ac:picMkLst>
-        </pc:picChg>
-        <pc:picChg chg="mod">
-          <ac:chgData name="John Lonergan" userId="db8094ce4aaa691d" providerId="LiveId" clId="{3A65A724-4945-4A04-BB88-824B46D7B1D9}" dt="2020-02-09T01:40:03.787" v="72" actId="1038"/>
-          <ac:picMkLst>
-            <pc:docMk/>
-            <pc:sldMk cId="2068975486" sldId="256"/>
-            <ac:picMk id="15" creationId="{F9A099CF-415D-4EE8-B100-E12D9866B1B4}"/>
-          </ac:picMkLst>
-        </pc:picChg>
-        <pc:picChg chg="mod">
-          <ac:chgData name="John Lonergan" userId="db8094ce4aaa691d" providerId="LiveId" clId="{3A65A724-4945-4A04-BB88-824B46D7B1D9}" dt="2020-02-09T01:41:12.342" v="226" actId="1035"/>
-          <ac:picMkLst>
-            <pc:docMk/>
-            <pc:sldMk cId="2068975486" sldId="256"/>
-            <ac:picMk id="26" creationId="{9FD3E8AA-7C9F-4A73-B98E-D07151270370}"/>
-          </ac:picMkLst>
-        </pc:picChg>
-        <pc:picChg chg="mod">
-          <ac:chgData name="John Lonergan" userId="db8094ce4aaa691d" providerId="LiveId" clId="{3A65A724-4945-4A04-BB88-824B46D7B1D9}" dt="2020-02-09T01:39:07.552" v="27" actId="1035"/>
-          <ac:picMkLst>
-            <pc:docMk/>
-            <pc:sldMk cId="2068975486" sldId="256"/>
-            <ac:picMk id="27" creationId="{8E55AC8E-ACEF-4675-9568-B8C8C34F4E08}"/>
-          </ac:picMkLst>
-        </pc:picChg>
-        <pc:picChg chg="mod">
-          <ac:chgData name="John Lonergan" userId="db8094ce4aaa691d" providerId="LiveId" clId="{3A65A724-4945-4A04-BB88-824B46D7B1D9}" dt="2020-02-09T01:39:50.340" v="55" actId="688"/>
-          <ac:picMkLst>
-            <pc:docMk/>
-            <pc:sldMk cId="2068975486" sldId="256"/>
-            <ac:picMk id="35" creationId="{3DD8FB9B-169F-4839-BFAA-63D4BC8AACFB}"/>
-          </ac:picMkLst>
-        </pc:picChg>
-      </pc:sldChg>
-      <pc:sldChg chg="addSp delSp modSp add mod modTransition setBg">
-        <pc:chgData name="John Lonergan" userId="db8094ce4aaa691d" providerId="LiveId" clId="{3A65A724-4945-4A04-BB88-824B46D7B1D9}" dt="2020-02-09T03:22:34.390" v="363"/>
-        <pc:sldMkLst>
-          <pc:docMk/>
-          <pc:sldMk cId="244258526" sldId="257"/>
-        </pc:sldMkLst>
-        <pc:spChg chg="del">
-          <ac:chgData name="John Lonergan" userId="db8094ce4aaa691d" providerId="LiveId" clId="{3A65A724-4945-4A04-BB88-824B46D7B1D9}" dt="2020-02-09T03:08:03.343" v="254" actId="478"/>
-          <ac:spMkLst>
-            <pc:docMk/>
-            <pc:sldMk cId="244258526" sldId="257"/>
-            <ac:spMk id="2" creationId="{133ED9C3-7388-4FF4-BEBE-0D053431B52E}"/>
-          </ac:spMkLst>
-        </pc:spChg>
-        <pc:spChg chg="del">
-          <ac:chgData name="John Lonergan" userId="db8094ce4aaa691d" providerId="LiveId" clId="{3A65A724-4945-4A04-BB88-824B46D7B1D9}" dt="2020-02-09T03:08:03.343" v="254" actId="478"/>
-          <ac:spMkLst>
-            <pc:docMk/>
-            <pc:sldMk cId="244258526" sldId="257"/>
-            <ac:spMk id="3" creationId="{179A14DF-27A7-4EEE-94BD-AB8FAF1C6E3F}"/>
-          </ac:spMkLst>
-        </pc:spChg>
-        <pc:spChg chg="add del mod">
-          <ac:chgData name="John Lonergan" userId="db8094ce4aaa691d" providerId="LiveId" clId="{3A65A724-4945-4A04-BB88-824B46D7B1D9}" dt="2020-02-09T03:12:08.032" v="287" actId="478"/>
-          <ac:spMkLst>
-            <pc:docMk/>
-            <pc:sldMk cId="244258526" sldId="257"/>
-            <ac:spMk id="6" creationId="{B6242EA3-9BB9-4AEC-82A4-42545098E844}"/>
-          </ac:spMkLst>
-        </pc:spChg>
-        <pc:spChg chg="add del">
-          <ac:chgData name="John Lonergan" userId="db8094ce4aaa691d" providerId="LiveId" clId="{3A65A724-4945-4A04-BB88-824B46D7B1D9}" dt="2020-02-09T03:09:54.542" v="267" actId="26606"/>
-          <ac:spMkLst>
-            <pc:docMk/>
-            <pc:sldMk cId="244258526" sldId="257"/>
-            <ac:spMk id="7" creationId="{B649E800-A5C8-49A0-A453-ED537DA3156A}"/>
-          </ac:spMkLst>
-        </pc:spChg>
-        <pc:spChg chg="add del">
-          <ac:chgData name="John Lonergan" userId="db8094ce4aaa691d" providerId="LiveId" clId="{3A65A724-4945-4A04-BB88-824B46D7B1D9}" dt="2020-02-09T03:09:54.542" v="267" actId="26606"/>
-          <ac:spMkLst>
-            <pc:docMk/>
-            <pc:sldMk cId="244258526" sldId="257"/>
-            <ac:spMk id="8" creationId="{8BA67DD7-B75D-4A30-90A4-EEA9F64AF11B}"/>
-          </ac:spMkLst>
-        </pc:spChg>
-        <pc:spChg chg="add del">
-          <ac:chgData name="John Lonergan" userId="db8094ce4aaa691d" providerId="LiveId" clId="{3A65A724-4945-4A04-BB88-824B46D7B1D9}" dt="2020-02-09T03:09:48.554" v="261" actId="26606"/>
-          <ac:spMkLst>
-            <pc:docMk/>
-            <pc:sldMk cId="244258526" sldId="257"/>
-            <ac:spMk id="10" creationId="{32BC26D8-82FB-445E-AA49-62A77D7C1EE0}"/>
-          </ac:spMkLst>
-        </pc:spChg>
-        <pc:spChg chg="add del">
-          <ac:chgData name="John Lonergan" userId="db8094ce4aaa691d" providerId="LiveId" clId="{3A65A724-4945-4A04-BB88-824B46D7B1D9}" dt="2020-02-09T03:09:48.554" v="261" actId="26606"/>
-          <ac:spMkLst>
-            <pc:docMk/>
-            <pc:sldMk cId="244258526" sldId="257"/>
-            <ac:spMk id="12" creationId="{CB44330D-EA18-4254-AA95-EB49948539B8}"/>
-          </ac:spMkLst>
-        </pc:spChg>
-        <pc:spChg chg="add del">
-          <ac:chgData name="John Lonergan" userId="db8094ce4aaa691d" providerId="LiveId" clId="{3A65A724-4945-4A04-BB88-824B46D7B1D9}" dt="2020-02-09T03:09:57.925" v="269" actId="26606"/>
-          <ac:spMkLst>
-            <pc:docMk/>
-            <pc:sldMk cId="244258526" sldId="257"/>
-            <ac:spMk id="18" creationId="{0B761509-3B9A-49A6-A84B-C3D86811697D}"/>
-          </ac:spMkLst>
-        </pc:spChg>
-        <pc:spChg chg="add del">
-          <ac:chgData name="John Lonergan" userId="db8094ce4aaa691d" providerId="LiveId" clId="{3A65A724-4945-4A04-BB88-824B46D7B1D9}" dt="2020-02-09T03:09:57.925" v="269" actId="26606"/>
-          <ac:spMkLst>
-            <pc:docMk/>
-            <pc:sldMk cId="244258526" sldId="257"/>
-            <ac:spMk id="19" creationId="{91DE43FD-EB47-414A-B0AB-169B0FFFA527}"/>
-          </ac:spMkLst>
-        </pc:spChg>
-        <pc:grpChg chg="add del">
-          <ac:chgData name="John Lonergan" userId="db8094ce4aaa691d" providerId="LiveId" clId="{3A65A724-4945-4A04-BB88-824B46D7B1D9}" dt="2020-02-09T03:09:54.542" v="267" actId="26606"/>
-          <ac:grpSpMkLst>
-            <pc:docMk/>
-            <pc:sldMk cId="244258526" sldId="257"/>
-            <ac:grpSpMk id="14" creationId="{E8C5FC48-0A3C-4D6D-A0D5-EEE93213DBBE}"/>
-          </ac:grpSpMkLst>
-        </pc:grpChg>
-        <pc:grpChg chg="add del">
-          <ac:chgData name="John Lonergan" userId="db8094ce4aaa691d" providerId="LiveId" clId="{3A65A724-4945-4A04-BB88-824B46D7B1D9}" dt="2020-02-09T03:09:57.925" v="269" actId="26606"/>
-          <ac:grpSpMkLst>
-            <pc:docMk/>
-            <pc:sldMk cId="244258526" sldId="257"/>
-            <ac:grpSpMk id="20" creationId="{D3706AFB-4AF0-430C-8FBE-C38C0F839661}"/>
-          </ac:grpSpMkLst>
-        </pc:grpChg>
-        <pc:picChg chg="add del mod">
-          <ac:chgData name="John Lonergan" userId="db8094ce4aaa691d" providerId="LiveId" clId="{3A65A724-4945-4A04-BB88-824B46D7B1D9}" dt="2020-02-09T03:09:34.289" v="258" actId="478"/>
-          <ac:picMkLst>
-            <pc:docMk/>
-            <pc:sldMk cId="244258526" sldId="257"/>
-            <ac:picMk id="4" creationId="{3FDDAC0D-F1B4-4F61-80CB-B92C795EFEB6}"/>
-          </ac:picMkLst>
-        </pc:picChg>
-        <pc:picChg chg="add del mod">
-          <ac:chgData name="John Lonergan" userId="db8094ce4aaa691d" providerId="LiveId" clId="{3A65A724-4945-4A04-BB88-824B46D7B1D9}" dt="2020-02-09T03:12:04.039" v="285" actId="478"/>
-          <ac:picMkLst>
-            <pc:docMk/>
-            <pc:sldMk cId="244258526" sldId="257"/>
-            <ac:picMk id="5" creationId="{D5A90789-E580-43C3-B4E8-B7D53DC8B2E0}"/>
-          </ac:picMkLst>
-        </pc:picChg>
-        <pc:picChg chg="add mod">
-          <ac:chgData name="John Lonergan" userId="db8094ce4aaa691d" providerId="LiveId" clId="{3A65A724-4945-4A04-BB88-824B46D7B1D9}" dt="2020-02-09T03:11:47.968" v="280" actId="571"/>
-          <ac:picMkLst>
-            <pc:docMk/>
-            <pc:sldMk cId="244258526" sldId="257"/>
-            <ac:picMk id="23" creationId="{5B80DEE1-DD49-41FB-8E58-17D65DEC098D}"/>
-          </ac:picMkLst>
-        </pc:picChg>
-      </pc:sldChg>
-      <pc:sldChg chg="addSp delSp modSp add modTransition">
-        <pc:chgData name="John Lonergan" userId="db8094ce4aaa691d" providerId="LiveId" clId="{3A65A724-4945-4A04-BB88-824B46D7B1D9}" dt="2020-02-15T14:42:29.723" v="604" actId="21"/>
-        <pc:sldMkLst>
-          <pc:docMk/>
-          <pc:sldMk cId="946176530" sldId="258"/>
-        </pc:sldMkLst>
-        <pc:spChg chg="add del mod">
-          <ac:chgData name="John Lonergan" userId="db8094ce4aaa691d" providerId="LiveId" clId="{3A65A724-4945-4A04-BB88-824B46D7B1D9}" dt="2020-02-15T14:42:29.723" v="604" actId="21"/>
-          <ac:spMkLst>
-            <pc:docMk/>
-            <pc:sldMk cId="946176530" sldId="258"/>
-            <ac:spMk id="2" creationId="{083A2F4B-16EE-4B29-81B1-0B1E3B1F2B4E}"/>
-          </ac:spMkLst>
-        </pc:spChg>
-        <pc:picChg chg="add del mod">
-          <ac:chgData name="John Lonergan" userId="db8094ce4aaa691d" providerId="LiveId" clId="{3A65A724-4945-4A04-BB88-824B46D7B1D9}" dt="2020-02-09T03:17:11.590" v="292" actId="478"/>
-          <ac:picMkLst>
-            <pc:docMk/>
-            <pc:sldMk cId="946176530" sldId="258"/>
-            <ac:picMk id="2" creationId="{E3FA5BA3-5024-43C6-918D-976873FFFE0D}"/>
-          </ac:picMkLst>
-        </pc:picChg>
-        <pc:picChg chg="add">
-          <ac:chgData name="John Lonergan" userId="db8094ce4aaa691d" providerId="LiveId" clId="{3A65A724-4945-4A04-BB88-824B46D7B1D9}" dt="2020-02-09T03:17:12.987" v="293"/>
-          <ac:picMkLst>
-            <pc:docMk/>
-            <pc:sldMk cId="946176530" sldId="258"/>
-            <ac:picMk id="3" creationId="{307242D4-6D6E-4E4B-B6D7-47E31FD1232C}"/>
-          </ac:picMkLst>
-        </pc:picChg>
-        <pc:picChg chg="del">
-          <ac:chgData name="John Lonergan" userId="db8094ce4aaa691d" providerId="LiveId" clId="{3A65A724-4945-4A04-BB88-824B46D7B1D9}" dt="2020-02-09T03:15:43.920" v="289" actId="478"/>
-          <ac:picMkLst>
-            <pc:docMk/>
-            <pc:sldMk cId="946176530" sldId="258"/>
-            <ac:picMk id="5" creationId="{D5A90789-E580-43C3-B4E8-B7D53DC8B2E0}"/>
-          </ac:picMkLst>
-        </pc:picChg>
-      </pc:sldChg>
-      <pc:sldChg chg="addSp delSp modSp add">
-        <pc:chgData name="John Lonergan" userId="db8094ce4aaa691d" providerId="LiveId" clId="{3A65A724-4945-4A04-BB88-824B46D7B1D9}" dt="2020-02-15T14:52:03.300" v="1781" actId="20577"/>
-        <pc:sldMkLst>
-          <pc:docMk/>
-          <pc:sldMk cId="802353561" sldId="259"/>
-        </pc:sldMkLst>
-        <pc:spChg chg="add mod">
-          <ac:chgData name="John Lonergan" userId="db8094ce4aaa691d" providerId="LiveId" clId="{3A65A724-4945-4A04-BB88-824B46D7B1D9}" dt="2020-02-09T03:19:00.475" v="313" actId="1076"/>
-          <ac:spMkLst>
-            <pc:docMk/>
-            <pc:sldMk cId="802353561" sldId="259"/>
-            <ac:spMk id="2" creationId="{C96348DC-C596-479D-A1A3-060A1E49CF55}"/>
-          </ac:spMkLst>
-        </pc:spChg>
-        <pc:spChg chg="add mod">
-          <ac:chgData name="John Lonergan" userId="db8094ce4aaa691d" providerId="LiveId" clId="{3A65A724-4945-4A04-BB88-824B46D7B1D9}" dt="2020-02-09T03:19:00.475" v="313" actId="1076"/>
-          <ac:spMkLst>
-            <pc:docMk/>
-            <pc:sldMk cId="802353561" sldId="259"/>
-            <ac:spMk id="4" creationId="{B03D7B74-55EB-4AA7-BA59-4BB4D098911D}"/>
-          </ac:spMkLst>
-        </pc:spChg>
-        <pc:spChg chg="add mod">
-          <ac:chgData name="John Lonergan" userId="db8094ce4aaa691d" providerId="LiveId" clId="{3A65A724-4945-4A04-BB88-824B46D7B1D9}" dt="2020-02-15T14:45:44.475" v="1062" actId="20577"/>
-          <ac:spMkLst>
-            <pc:docMk/>
-            <pc:sldMk cId="802353561" sldId="259"/>
-            <ac:spMk id="5" creationId="{245127C3-8F8D-4446-9032-CD6C40A8E9F4}"/>
-          </ac:spMkLst>
-        </pc:spChg>
-        <pc:spChg chg="add del mod">
-          <ac:chgData name="John Lonergan" userId="db8094ce4aaa691d" providerId="LiveId" clId="{3A65A724-4945-4A04-BB88-824B46D7B1D9}" dt="2020-02-15T14:46:09.740" v="1071" actId="478"/>
-          <ac:spMkLst>
-            <pc:docMk/>
-            <pc:sldMk cId="802353561" sldId="259"/>
-            <ac:spMk id="6" creationId="{35C01110-3CF7-4CDE-AB98-DF16683BD55F}"/>
-          </ac:spMkLst>
-        </pc:spChg>
-        <pc:spChg chg="add mod">
-          <ac:chgData name="John Lonergan" userId="db8094ce4aaa691d" providerId="LiveId" clId="{3A65A724-4945-4A04-BB88-824B46D7B1D9}" dt="2020-02-15T14:51:05.262" v="1699" actId="20577"/>
-          <ac:spMkLst>
-            <pc:docMk/>
-            <pc:sldMk cId="802353561" sldId="259"/>
-            <ac:spMk id="7" creationId="{9D0E40E1-83AA-4B7F-8163-90137E41A6C9}"/>
-          </ac:spMkLst>
-        </pc:spChg>
-        <pc:spChg chg="add mod">
-          <ac:chgData name="John Lonergan" userId="db8094ce4aaa691d" providerId="LiveId" clId="{3A65A724-4945-4A04-BB88-824B46D7B1D9}" dt="2020-02-15T14:44:49.939" v="956" actId="20577"/>
-          <ac:spMkLst>
-            <pc:docMk/>
-            <pc:sldMk cId="802353561" sldId="259"/>
-            <ac:spMk id="8" creationId="{8B1BCB80-7B52-4DC4-A861-208BC1C68B54}"/>
-          </ac:spMkLst>
-        </pc:spChg>
-        <pc:spChg chg="add mod">
-          <ac:chgData name="John Lonergan" userId="db8094ce4aaa691d" providerId="LiveId" clId="{3A65A724-4945-4A04-BB88-824B46D7B1D9}" dt="2020-02-15T14:47:09.148" v="1223" actId="20577"/>
-          <ac:spMkLst>
-            <pc:docMk/>
-            <pc:sldMk cId="802353561" sldId="259"/>
-            <ac:spMk id="9" creationId="{2E63A53E-CC11-456A-99B4-597ACA5DD2E2}"/>
-          </ac:spMkLst>
-        </pc:spChg>
-        <pc:spChg chg="add mod">
-          <ac:chgData name="John Lonergan" userId="db8094ce4aaa691d" providerId="LiveId" clId="{3A65A724-4945-4A04-BB88-824B46D7B1D9}" dt="2020-02-15T14:52:03.300" v="1781" actId="20577"/>
-          <ac:spMkLst>
-            <pc:docMk/>
-            <pc:sldMk cId="802353561" sldId="259"/>
-            <ac:spMk id="10" creationId="{DAD755FF-3D50-489A-A716-26D913C5AB70}"/>
-          </ac:spMkLst>
-        </pc:spChg>
-        <pc:picChg chg="mod">
-          <ac:chgData name="John Lonergan" userId="db8094ce4aaa691d" providerId="LiveId" clId="{3A65A724-4945-4A04-BB88-824B46D7B1D9}" dt="2020-02-15T14:51:09.252" v="1701" actId="1076"/>
-          <ac:picMkLst>
-            <pc:docMk/>
-            <pc:sldMk cId="802353561" sldId="259"/>
-            <ac:picMk id="3" creationId="{307242D4-6D6E-4E4B-B6D7-47E31FD1232C}"/>
-          </ac:picMkLst>
-        </pc:picChg>
-      </pc:sldChg>
-      <pc:sldChg chg="addSp delSp add">
-        <pc:chgData name="John Lonergan" userId="db8094ce4aaa691d" providerId="LiveId" clId="{3A65A724-4945-4A04-BB88-824B46D7B1D9}" dt="2020-02-09T03:21:22.155" v="361"/>
-        <pc:sldMkLst>
-          <pc:docMk/>
-          <pc:sldMk cId="2408237864" sldId="260"/>
-        </pc:sldMkLst>
-        <pc:spChg chg="del">
-          <ac:chgData name="John Lonergan" userId="db8094ce4aaa691d" providerId="LiveId" clId="{3A65A724-4945-4A04-BB88-824B46D7B1D9}" dt="2020-02-09T03:20:59.660" v="360" actId="478"/>
-          <ac:spMkLst>
-            <pc:docMk/>
-            <pc:sldMk cId="2408237864" sldId="260"/>
-            <ac:spMk id="2" creationId="{2B22E05F-839C-4708-AFEB-F0477B19CFCE}"/>
-          </ac:spMkLst>
-        </pc:spChg>
-        <pc:spChg chg="del">
-          <ac:chgData name="John Lonergan" userId="db8094ce4aaa691d" providerId="LiveId" clId="{3A65A724-4945-4A04-BB88-824B46D7B1D9}" dt="2020-02-09T03:20:59.660" v="360" actId="478"/>
-          <ac:spMkLst>
-            <pc:docMk/>
-            <pc:sldMk cId="2408237864" sldId="260"/>
-            <ac:spMk id="3" creationId="{B7E012ED-357E-42D0-AA30-F4893994B82C}"/>
-          </ac:spMkLst>
-        </pc:spChg>
-        <pc:picChg chg="add">
-          <ac:chgData name="John Lonergan" userId="db8094ce4aaa691d" providerId="LiveId" clId="{3A65A724-4945-4A04-BB88-824B46D7B1D9}" dt="2020-02-09T03:21:22.155" v="361"/>
-          <ac:picMkLst>
-            <pc:docMk/>
-            <pc:sldMk cId="2408237864" sldId="260"/>
-            <ac:picMk id="4" creationId="{C84EC1DA-7552-44B4-86FB-E7CF929B173E}"/>
-          </ac:picMkLst>
-        </pc:picChg>
-      </pc:sldChg>
-      <pc:sldChg chg="addSp modSp add">
-        <pc:chgData name="John Lonergan" userId="db8094ce4aaa691d" providerId="LiveId" clId="{3A65A724-4945-4A04-BB88-824B46D7B1D9}" dt="2020-02-09T03:25:16.305" v="377" actId="208"/>
-        <pc:sldMkLst>
-          <pc:docMk/>
-          <pc:sldMk cId="2847492222" sldId="261"/>
-        </pc:sldMkLst>
-        <pc:spChg chg="add mod ord">
-          <ac:chgData name="John Lonergan" userId="db8094ce4aaa691d" providerId="LiveId" clId="{3A65A724-4945-4A04-BB88-824B46D7B1D9}" dt="2020-02-09T03:25:16.305" v="377" actId="208"/>
-          <ac:spMkLst>
-            <pc:docMk/>
-            <pc:sldMk cId="2847492222" sldId="261"/>
-            <ac:spMk id="2" creationId="{DF975837-0203-471D-BC34-F7E14E3AB772}"/>
-          </ac:spMkLst>
-        </pc:spChg>
-      </pc:sldChg>
-      <pc:sldChg chg="addSp modSp add del">
-        <pc:chgData name="John Lonergan" userId="db8094ce4aaa691d" providerId="LiveId" clId="{3A65A724-4945-4A04-BB88-824B46D7B1D9}" dt="2020-02-09T16:34:09.777" v="414" actId="2696"/>
-        <pc:sldMkLst>
-          <pc:docMk/>
-          <pc:sldMk cId="2164680251" sldId="262"/>
-        </pc:sldMkLst>
-        <pc:spChg chg="add mod">
-          <ac:chgData name="John Lonergan" userId="db8094ce4aaa691d" providerId="LiveId" clId="{3A65A724-4945-4A04-BB88-824B46D7B1D9}" dt="2020-02-09T16:33:26.670" v="383" actId="14100"/>
-          <ac:spMkLst>
-            <pc:docMk/>
-            <pc:sldMk cId="2164680251" sldId="262"/>
-            <ac:spMk id="7" creationId="{A060B66E-CAD0-4FFB-B285-CED3006D3CBF}"/>
-          </ac:spMkLst>
-        </pc:spChg>
-        <pc:spChg chg="add mod">
-          <ac:chgData name="John Lonergan" userId="db8094ce4aaa691d" providerId="LiveId" clId="{3A65A724-4945-4A04-BB88-824B46D7B1D9}" dt="2020-02-09T16:33:48.838" v="393" actId="1035"/>
-          <ac:spMkLst>
-            <pc:docMk/>
-            <pc:sldMk cId="2164680251" sldId="262"/>
-            <ac:spMk id="8" creationId="{756862C2-CA2D-496F-95CE-5D9F9910B28A}"/>
-          </ac:spMkLst>
-        </pc:spChg>
-        <pc:picChg chg="mod">
-          <ac:chgData name="John Lonergan" userId="db8094ce4aaa691d" providerId="LiveId" clId="{3A65A724-4945-4A04-BB88-824B46D7B1D9}" dt="2020-02-09T16:34:02.625" v="413" actId="1036"/>
-          <ac:picMkLst>
-            <pc:docMk/>
-            <pc:sldMk cId="2164680251" sldId="262"/>
-            <ac:picMk id="3" creationId="{307242D4-6D6E-4E4B-B6D7-47E31FD1232C}"/>
-          </ac:picMkLst>
-        </pc:picChg>
-      </pc:sldChg>
-      <pc:sldChg chg="addSp modSp add">
-        <pc:chgData name="John Lonergan" userId="db8094ce4aaa691d" providerId="LiveId" clId="{3A65A724-4945-4A04-BB88-824B46D7B1D9}" dt="2020-02-09T16:47:50.067" v="468" actId="14100"/>
-        <pc:sldMkLst>
-          <pc:docMk/>
-          <pc:sldMk cId="2585332580" sldId="262"/>
-        </pc:sldMkLst>
-        <pc:spChg chg="add mod">
-          <ac:chgData name="John Lonergan" userId="db8094ce4aaa691d" providerId="LiveId" clId="{3A65A724-4945-4A04-BB88-824B46D7B1D9}" dt="2020-02-09T16:47:17.306" v="461" actId="208"/>
-          <ac:spMkLst>
-            <pc:docMk/>
-            <pc:sldMk cId="2585332580" sldId="262"/>
-            <ac:spMk id="7" creationId="{194343B4-481F-4066-AB21-D5A485E8442B}"/>
-          </ac:spMkLst>
-        </pc:spChg>
-        <pc:spChg chg="add mod">
-          <ac:chgData name="John Lonergan" userId="db8094ce4aaa691d" providerId="LiveId" clId="{3A65A724-4945-4A04-BB88-824B46D7B1D9}" dt="2020-02-09T16:47:38.089" v="465" actId="14100"/>
-          <ac:spMkLst>
-            <pc:docMk/>
-            <pc:sldMk cId="2585332580" sldId="262"/>
-            <ac:spMk id="8" creationId="{1007426D-64CD-4A75-AAF3-8749EDCC23A2}"/>
-          </ac:spMkLst>
-        </pc:spChg>
-        <pc:spChg chg="add mod">
-          <ac:chgData name="John Lonergan" userId="db8094ce4aaa691d" providerId="LiveId" clId="{3A65A724-4945-4A04-BB88-824B46D7B1D9}" dt="2020-02-09T16:47:50.067" v="468" actId="14100"/>
-          <ac:spMkLst>
-            <pc:docMk/>
-            <pc:sldMk cId="2585332580" sldId="262"/>
-            <ac:spMk id="9" creationId="{AFBC829E-8430-4ABD-95B8-5DFE59446205}"/>
-          </ac:spMkLst>
-        </pc:spChg>
-      </pc:sldChg>
-      <pc:sldChg chg="addSp modSp add del">
-        <pc:chgData name="John Lonergan" userId="db8094ce4aaa691d" providerId="LiveId" clId="{3A65A724-4945-4A04-BB88-824B46D7B1D9}" dt="2020-02-09T16:46:30.128" v="456" actId="2696"/>
-        <pc:sldMkLst>
-          <pc:docMk/>
-          <pc:sldMk cId="2759928712" sldId="262"/>
-        </pc:sldMkLst>
-        <pc:spChg chg="add mod">
-          <ac:chgData name="John Lonergan" userId="db8094ce4aaa691d" providerId="LiveId" clId="{3A65A724-4945-4A04-BB88-824B46D7B1D9}" dt="2020-02-09T16:37:55.963" v="427" actId="1076"/>
-          <ac:spMkLst>
-            <pc:docMk/>
-            <pc:sldMk cId="2759928712" sldId="262"/>
-            <ac:spMk id="7" creationId="{E47B9571-B693-4858-916E-EE191811F8BB}"/>
-          </ac:spMkLst>
-        </pc:spChg>
-        <pc:spChg chg="add mod">
-          <ac:chgData name="John Lonergan" userId="db8094ce4aaa691d" providerId="LiveId" clId="{3A65A724-4945-4A04-BB88-824B46D7B1D9}" dt="2020-02-09T16:37:36.629" v="421" actId="14100"/>
-          <ac:spMkLst>
-            <pc:docMk/>
-            <pc:sldMk cId="2759928712" sldId="262"/>
-            <ac:spMk id="8" creationId="{ADCCC61A-A037-4845-B1AA-B4C67F87358A}"/>
-          </ac:spMkLst>
-        </pc:spChg>
-        <pc:spChg chg="add mod">
-          <ac:chgData name="John Lonergan" userId="db8094ce4aaa691d" providerId="LiveId" clId="{3A65A724-4945-4A04-BB88-824B46D7B1D9}" dt="2020-02-09T16:37:51.539" v="425" actId="14100"/>
-          <ac:spMkLst>
-            <pc:docMk/>
-            <pc:sldMk cId="2759928712" sldId="262"/>
-            <ac:spMk id="9" creationId="{806DCC21-A22C-422D-8040-F40AAF385E20}"/>
-          </ac:spMkLst>
-        </pc:spChg>
-        <pc:spChg chg="add mod">
-          <ac:chgData name="John Lonergan" userId="db8094ce4aaa691d" providerId="LiveId" clId="{3A65A724-4945-4A04-BB88-824B46D7B1D9}" dt="2020-02-09T16:38:00.822" v="429" actId="14100"/>
-          <ac:spMkLst>
-            <pc:docMk/>
-            <pc:sldMk cId="2759928712" sldId="262"/>
-            <ac:spMk id="10" creationId="{2FD5721D-22C3-46F2-8F0F-63487B54D385}"/>
-          </ac:spMkLst>
-        </pc:spChg>
-        <pc:spChg chg="add mod">
-          <ac:chgData name="John Lonergan" userId="db8094ce4aaa691d" providerId="LiveId" clId="{3A65A724-4945-4A04-BB88-824B46D7B1D9}" dt="2020-02-09T16:46:25.427" v="455"/>
-          <ac:spMkLst>
-            <pc:docMk/>
-            <pc:sldMk cId="2759928712" sldId="262"/>
-            <ac:spMk id="11" creationId="{4F668CB2-F3A1-4BBB-BBEB-1260C2D9F0DE}"/>
-          </ac:spMkLst>
-        </pc:spChg>
-        <pc:spChg chg="add mod">
-          <ac:chgData name="John Lonergan" userId="db8094ce4aaa691d" providerId="LiveId" clId="{3A65A724-4945-4A04-BB88-824B46D7B1D9}" dt="2020-02-09T16:46:25.427" v="455"/>
-          <ac:spMkLst>
-            <pc:docMk/>
-            <pc:sldMk cId="2759928712" sldId="262"/>
-            <ac:spMk id="12" creationId="{42BB91D2-FBA0-4F9B-9A39-1F9113031ACF}"/>
-          </ac:spMkLst>
-        </pc:spChg>
-        <pc:picChg chg="mod">
-          <ac:chgData name="John Lonergan" userId="db8094ce4aaa691d" providerId="LiveId" clId="{3A65A724-4945-4A04-BB88-824B46D7B1D9}" dt="2020-02-09T16:46:19.382" v="454" actId="1076"/>
-          <ac:picMkLst>
-            <pc:docMk/>
-            <pc:sldMk cId="2759928712" sldId="262"/>
-            <ac:picMk id="3" creationId="{307242D4-6D6E-4E4B-B6D7-47E31FD1232C}"/>
-          </ac:picMkLst>
-        </pc:picChg>
-      </pc:sldChg>
-      <pc:sldChg chg="modSp add ord">
-        <pc:chgData name="John Lonergan" userId="db8094ce4aaa691d" providerId="LiveId" clId="{3A65A724-4945-4A04-BB88-824B46D7B1D9}" dt="2020-02-09T17:57:06.937" v="479" actId="1035"/>
-        <pc:sldMkLst>
-          <pc:docMk/>
-          <pc:sldMk cId="1518394785" sldId="263"/>
-        </pc:sldMkLst>
-        <pc:picChg chg="mod">
-          <ac:chgData name="John Lonergan" userId="db8094ce4aaa691d" providerId="LiveId" clId="{3A65A724-4945-4A04-BB88-824B46D7B1D9}" dt="2020-02-09T17:57:06.937" v="479" actId="1035"/>
-          <ac:picMkLst>
-            <pc:docMk/>
-            <pc:sldMk cId="1518394785" sldId="263"/>
-            <ac:picMk id="3" creationId="{307242D4-6D6E-4E4B-B6D7-47E31FD1232C}"/>
-          </ac:picMkLst>
-        </pc:picChg>
-      </pc:sldChg>
-    </pc:docChg>
-  </pc:docChgLst>
-</pc:chgInfo>
 </file>
 
 <file path=ppt/slideLayouts/slideLayout1.xml><?xml version="1.0" encoding="utf-8"?>
@@ -856,7 +276,7 @@
           <a:p>
             <a:fld id="{6108F8CE-62D0-40F6-BED3-562214F12965}" type="datetimeFigureOut">
               <a:rPr lang="en-GB" smtClean="0"/>
-              <a:t>15/02/2020</a:t>
+              <a:t>29/02/2020</a:t>
             </a:fld>
             <a:endParaRPr lang="en-GB"/>
           </a:p>
@@ -1056,7 +476,7 @@
           <a:p>
             <a:fld id="{6108F8CE-62D0-40F6-BED3-562214F12965}" type="datetimeFigureOut">
               <a:rPr lang="en-GB" smtClean="0"/>
-              <a:t>15/02/2020</a:t>
+              <a:t>29/02/2020</a:t>
             </a:fld>
             <a:endParaRPr lang="en-GB"/>
           </a:p>
@@ -1266,7 +686,7 @@
           <a:p>
             <a:fld id="{6108F8CE-62D0-40F6-BED3-562214F12965}" type="datetimeFigureOut">
               <a:rPr lang="en-GB" smtClean="0"/>
-              <a:t>15/02/2020</a:t>
+              <a:t>29/02/2020</a:t>
             </a:fld>
             <a:endParaRPr lang="en-GB"/>
           </a:p>
@@ -1466,7 +886,7 @@
           <a:p>
             <a:fld id="{6108F8CE-62D0-40F6-BED3-562214F12965}" type="datetimeFigureOut">
               <a:rPr lang="en-GB" smtClean="0"/>
-              <a:t>15/02/2020</a:t>
+              <a:t>29/02/2020</a:t>
             </a:fld>
             <a:endParaRPr lang="en-GB"/>
           </a:p>
@@ -1742,7 +1162,7 @@
           <a:p>
             <a:fld id="{6108F8CE-62D0-40F6-BED3-562214F12965}" type="datetimeFigureOut">
               <a:rPr lang="en-GB" smtClean="0"/>
-              <a:t>15/02/2020</a:t>
+              <a:t>29/02/2020</a:t>
             </a:fld>
             <a:endParaRPr lang="en-GB"/>
           </a:p>
@@ -2010,7 +1430,7 @@
           <a:p>
             <a:fld id="{6108F8CE-62D0-40F6-BED3-562214F12965}" type="datetimeFigureOut">
               <a:rPr lang="en-GB" smtClean="0"/>
-              <a:t>15/02/2020</a:t>
+              <a:t>29/02/2020</a:t>
             </a:fld>
             <a:endParaRPr lang="en-GB"/>
           </a:p>
@@ -2425,7 +1845,7 @@
           <a:p>
             <a:fld id="{6108F8CE-62D0-40F6-BED3-562214F12965}" type="datetimeFigureOut">
               <a:rPr lang="en-GB" smtClean="0"/>
-              <a:t>15/02/2020</a:t>
+              <a:t>29/02/2020</a:t>
             </a:fld>
             <a:endParaRPr lang="en-GB"/>
           </a:p>
@@ -2567,7 +1987,7 @@
           <a:p>
             <a:fld id="{6108F8CE-62D0-40F6-BED3-562214F12965}" type="datetimeFigureOut">
               <a:rPr lang="en-GB" smtClean="0"/>
-              <a:t>15/02/2020</a:t>
+              <a:t>29/02/2020</a:t>
             </a:fld>
             <a:endParaRPr lang="en-GB"/>
           </a:p>
@@ -2680,7 +2100,7 @@
           <a:p>
             <a:fld id="{6108F8CE-62D0-40F6-BED3-562214F12965}" type="datetimeFigureOut">
               <a:rPr lang="en-GB" smtClean="0"/>
-              <a:t>15/02/2020</a:t>
+              <a:t>29/02/2020</a:t>
             </a:fld>
             <a:endParaRPr lang="en-GB"/>
           </a:p>
@@ -2993,7 +2413,7 @@
           <a:p>
             <a:fld id="{6108F8CE-62D0-40F6-BED3-562214F12965}" type="datetimeFigureOut">
               <a:rPr lang="en-GB" smtClean="0"/>
-              <a:t>15/02/2020</a:t>
+              <a:t>29/02/2020</a:t>
             </a:fld>
             <a:endParaRPr lang="en-GB"/>
           </a:p>
@@ -3282,7 +2702,7 @@
           <a:p>
             <a:fld id="{6108F8CE-62D0-40F6-BED3-562214F12965}" type="datetimeFigureOut">
               <a:rPr lang="en-GB" smtClean="0"/>
-              <a:t>15/02/2020</a:t>
+              <a:t>29/02/2020</a:t>
             </a:fld>
             <a:endParaRPr lang="en-GB"/>
           </a:p>
@@ -3525,7 +2945,7 @@
           <a:p>
             <a:fld id="{6108F8CE-62D0-40F6-BED3-562214F12965}" type="datetimeFigureOut">
               <a:rPr lang="en-GB" smtClean="0"/>
-              <a:t>15/02/2020</a:t>
+              <a:t>29/02/2020</a:t>
             </a:fld>
             <a:endParaRPr lang="en-GB"/>
           </a:p>
